--- a/Ms. Office/flowchart2.pptx
+++ b/Ms. Office/flowchart2.pptx
@@ -105,6 +105,11 @@
       </a:defRPr>
     </a:lvl9pPr>
   </p:defaultTextStyle>
+  <p:extLst>
+    <p:ext uri="{EFAFB233-063F-42B5-8137-9DF3F51BA10A}">
+      <p15:sldGuideLst xmlns:p15="http://schemas.microsoft.com/office/powerpoint/2012/main"/>
+    </p:ext>
+  </p:extLst>
 </p:presentation>
 </file>
 
@@ -239,7 +244,7 @@
           <a:p>
             <a:fld id="{B357B754-41F4-4902-B3D1-F78A109CF219}" type="datetimeFigureOut">
               <a:rPr lang="en-GB" smtClean="0"/>
-              <a:t>28/05/2018</a:t>
+              <a:t>12/08/2018</a:t>
             </a:fld>
             <a:endParaRPr lang="en-GB"/>
           </a:p>
@@ -409,7 +414,7 @@
           <a:p>
             <a:fld id="{B357B754-41F4-4902-B3D1-F78A109CF219}" type="datetimeFigureOut">
               <a:rPr lang="en-GB" smtClean="0"/>
-              <a:t>28/05/2018</a:t>
+              <a:t>12/08/2018</a:t>
             </a:fld>
             <a:endParaRPr lang="en-GB"/>
           </a:p>
@@ -589,7 +594,7 @@
           <a:p>
             <a:fld id="{B357B754-41F4-4902-B3D1-F78A109CF219}" type="datetimeFigureOut">
               <a:rPr lang="en-GB" smtClean="0"/>
-              <a:t>28/05/2018</a:t>
+              <a:t>12/08/2018</a:t>
             </a:fld>
             <a:endParaRPr lang="en-GB"/>
           </a:p>
@@ -759,7 +764,7 @@
           <a:p>
             <a:fld id="{B357B754-41F4-4902-B3D1-F78A109CF219}" type="datetimeFigureOut">
               <a:rPr lang="en-GB" smtClean="0"/>
-              <a:t>28/05/2018</a:t>
+              <a:t>12/08/2018</a:t>
             </a:fld>
             <a:endParaRPr lang="en-GB"/>
           </a:p>
@@ -1003,7 +1008,7 @@
           <a:p>
             <a:fld id="{B357B754-41F4-4902-B3D1-F78A109CF219}" type="datetimeFigureOut">
               <a:rPr lang="en-GB" smtClean="0"/>
-              <a:t>28/05/2018</a:t>
+              <a:t>12/08/2018</a:t>
             </a:fld>
             <a:endParaRPr lang="en-GB"/>
           </a:p>
@@ -1235,7 +1240,7 @@
           <a:p>
             <a:fld id="{B357B754-41F4-4902-B3D1-F78A109CF219}" type="datetimeFigureOut">
               <a:rPr lang="en-GB" smtClean="0"/>
-              <a:t>28/05/2018</a:t>
+              <a:t>12/08/2018</a:t>
             </a:fld>
             <a:endParaRPr lang="en-GB"/>
           </a:p>
@@ -1602,7 +1607,7 @@
           <a:p>
             <a:fld id="{B357B754-41F4-4902-B3D1-F78A109CF219}" type="datetimeFigureOut">
               <a:rPr lang="en-GB" smtClean="0"/>
-              <a:t>28/05/2018</a:t>
+              <a:t>12/08/2018</a:t>
             </a:fld>
             <a:endParaRPr lang="en-GB"/>
           </a:p>
@@ -1720,7 +1725,7 @@
           <a:p>
             <a:fld id="{B357B754-41F4-4902-B3D1-F78A109CF219}" type="datetimeFigureOut">
               <a:rPr lang="en-GB" smtClean="0"/>
-              <a:t>28/05/2018</a:t>
+              <a:t>12/08/2018</a:t>
             </a:fld>
             <a:endParaRPr lang="en-GB"/>
           </a:p>
@@ -1815,7 +1820,7 @@
           <a:p>
             <a:fld id="{B357B754-41F4-4902-B3D1-F78A109CF219}" type="datetimeFigureOut">
               <a:rPr lang="en-GB" smtClean="0"/>
-              <a:t>28/05/2018</a:t>
+              <a:t>12/08/2018</a:t>
             </a:fld>
             <a:endParaRPr lang="en-GB"/>
           </a:p>
@@ -2092,7 +2097,7 @@
           <a:p>
             <a:fld id="{B357B754-41F4-4902-B3D1-F78A109CF219}" type="datetimeFigureOut">
               <a:rPr lang="en-GB" smtClean="0"/>
-              <a:t>28/05/2018</a:t>
+              <a:t>12/08/2018</a:t>
             </a:fld>
             <a:endParaRPr lang="en-GB"/>
           </a:p>
@@ -2349,7 +2354,7 @@
           <a:p>
             <a:fld id="{B357B754-41F4-4902-B3D1-F78A109CF219}" type="datetimeFigureOut">
               <a:rPr lang="en-GB" smtClean="0"/>
-              <a:t>28/05/2018</a:t>
+              <a:t>12/08/2018</a:t>
             </a:fld>
             <a:endParaRPr lang="en-GB"/>
           </a:p>
@@ -2562,7 +2567,7 @@
           <a:p>
             <a:fld id="{B357B754-41F4-4902-B3D1-F78A109CF219}" type="datetimeFigureOut">
               <a:rPr lang="en-GB" smtClean="0"/>
-              <a:t>28/05/2018</a:t>
+              <a:t>12/08/2018</a:t>
             </a:fld>
             <a:endParaRPr lang="en-GB"/>
           </a:p>
@@ -3380,9 +3385,13 @@
             <a:pPr algn="ctr"/>
             <a:r>
               <a:rPr lang="id-ID" dirty="0"/>
-              <a:t>Proses LSB</a:t>
-            </a:r>
-            <a:endParaRPr lang="en-GB" dirty="0"/>
+              <a:t>Proses </a:t>
+            </a:r>
+            <a:r>
+              <a:rPr lang="id-ID" i="1" dirty="0"/>
+              <a:t>Encoding</a:t>
+            </a:r>
+            <a:endParaRPr lang="en-GB" i="1" dirty="0"/>
           </a:p>
         </p:txBody>
       </p:sp>
@@ -4107,9 +4116,13 @@
             <a:pPr algn="ctr"/>
             <a:r>
               <a:rPr lang="id-ID" dirty="0"/>
-              <a:t>Proses LSB</a:t>
-            </a:r>
-            <a:endParaRPr lang="en-GB" dirty="0"/>
+              <a:t>Proses </a:t>
+            </a:r>
+            <a:r>
+              <a:rPr lang="id-ID" i="1" dirty="0"/>
+              <a:t>Decoding</a:t>
+            </a:r>
+            <a:endParaRPr lang="en-GB" i="1" dirty="0"/>
           </a:p>
         </p:txBody>
       </p:sp>
